--- a/assets/img/course-cadence.pptx
+++ b/assets/img/course-cadence.pptx
@@ -8164,8 +8164,8 @@
           </p:nvSpPr>
           <p:spPr>
             <a:xfrm>
-              <a:off x="5227387" y="5457029"/>
-              <a:ext cx="692241" cy="338554"/>
+              <a:off x="5344833" y="5457029"/>
+              <a:ext cx="444032" cy="338554"/>
             </a:xfrm>
             <a:prstGeom prst="rect">
               <a:avLst/>
@@ -8186,7 +8186,7 @@
                     </a:schemeClr>
                   </a:solidFill>
                 </a:rPr>
-                <a:t>Friday</a:t>
+                <a:t>Sat</a:t>
               </a:r>
             </a:p>
           </p:txBody>
@@ -8255,7 +8255,7 @@
           </p:nvCxnSpPr>
           <p:spPr>
             <a:xfrm flipV="1">
-              <a:off x="5573508" y="5073294"/>
+              <a:off x="5566849" y="5073294"/>
               <a:ext cx="0" cy="383735"/>
             </a:xfrm>
             <a:prstGeom prst="line">
